--- a/output/modernWorship/Your-Grace-Finds-Me.pptx
+++ b/output/modernWorship/Your-Grace-Finds-Me.pptx
@@ -16,7 +16,6 @@
     <p:sldId r:id="rId16" id="264"/>
     <p:sldId r:id="rId17" id="265"/>
     <p:sldId r:id="rId18" id="266"/>
-    <p:sldId r:id="rId19" id="267"/>
   </p:sldIdLst>
   <p:sldSz cx="9144000" cy="6858000" type="screen4x3"/>
   <p:notesSz cx="6858000" cy="9144000"/>
@@ -670,84 +669,6 @@
           <a:p>
             <a:r>
               <a:t>Breathing in Your Grace</a:t>
-            </a:r>
-            <a:br/>
-            <a:r>
-              <a:t>Writers:  Jonas Myrin, Matt Redman</a:t>
-            </a:r>
-            <a:br/>
-            <a:r>
-              <a:t>CCLI:  7000686</a:t>
-            </a:r>
-          </a:p>
-        </p:txBody>
-      </p:sp>
-      <p:sp>
-        <p:nvSpPr>
-          <p:cNvPr id="4" name="Slide Number Placeholder 3"/>
-          <p:cNvSpPr>
-            <a:spLocks noGrp="1"/>
-          </p:cNvSpPr>
-          <p:nvPr>
-            <p:ph type="sldNum" idx="5" sz="quarter"/>
-          </p:nvPr>
-        </p:nvSpPr>
-        <p:spPr/>
-      </p:sp>
-    </p:spTree>
-  </p:cSld>
-  <p:clrMapOvr>
-    <a:masterClrMapping/>
-  </p:clrMapOvr>
-</p:notes>
-</file>
-
-<file path=ppt/notesSlides/notesSlide12.xml><?xml version="1.0" encoding="utf-8"?>
-<p:notes xmlns:a="http://schemas.openxmlformats.org/drawingml/2006/main" xmlns:p="http://schemas.openxmlformats.org/presentationml/2006/main" xmlns:r="http://schemas.openxmlformats.org/officeDocument/2006/relationships">
-  <p:cSld>
-    <p:spTree>
-      <p:nvGrpSpPr>
-        <p:cNvPr id="1" name=""/>
-        <p:cNvGrpSpPr/>
-        <p:nvPr/>
-      </p:nvGrpSpPr>
-      <p:grpSpPr>
-        <a:xfrm>
-          <a:off x="0" y="0"/>
-          <a:ext cx="0" cy="0"/>
-          <a:chOff x="0" y="0"/>
-          <a:chExt cx="0" cy="0"/>
-        </a:xfrm>
-      </p:grpSpPr>
-      <p:sp>
-        <p:nvSpPr>
-          <p:cNvPr id="2" name="Slide Image Placeholder 1"/>
-          <p:cNvSpPr>
-            <a:spLocks noGrp="1"/>
-          </p:cNvSpPr>
-          <p:nvPr>
-            <p:ph type="sldImg" idx="2"/>
-          </p:nvPr>
-        </p:nvSpPr>
-        <p:spPr/>
-      </p:sp>
-      <p:sp>
-        <p:nvSpPr>
-          <p:cNvPr id="3" name="Notes Placeholder 2"/>
-          <p:cNvSpPr>
-            <a:spLocks noGrp="1"/>
-          </p:cNvSpPr>
-          <p:nvPr>
-            <p:ph type="body" idx="3" sz="quarter"/>
-          </p:nvPr>
-        </p:nvSpPr>
-        <p:spPr/>
-        <p:txBody>
-          <a:bodyPr/>
-          <a:lstStyle/>
-          <a:p>
-            <a:r>
-              <a:t>Outro</a:t>
             </a:r>
             <a:br/>
             <a:r>
@@ -4668,94 +4589,6 @@
 </p:sld>
 </file>
 
-<file path=ppt/slides/slide12.xml><?xml version="1.0" encoding="utf-8"?>
-<p:sld xmlns:a="http://schemas.openxmlformats.org/drawingml/2006/main" xmlns:p="http://schemas.openxmlformats.org/presentationml/2006/main" xmlns:r="http://schemas.openxmlformats.org/officeDocument/2006/relationships">
-  <p:cSld>
-    <p:spTree>
-      <p:nvGrpSpPr>
-        <p:cNvPr id="1" name=""/>
-        <p:cNvGrpSpPr/>
-        <p:nvPr/>
-      </p:nvGrpSpPr>
-      <p:grpSpPr/>
-      <p:sp>
-        <p:nvSpPr>
-          <p:cNvPr id="2" name="TextBox 1"/>
-          <p:cNvSpPr txBox="1"/>
-          <p:nvPr/>
-        </p:nvSpPr>
-        <p:spPr>
-          <a:xfrm>
-            <a:off x="914400" y="914400"/>
-            <a:ext cx="7315200" cy="914400"/>
-          </a:xfrm>
-          <a:prstGeom prst="rect">
-            <a:avLst/>
-          </a:prstGeom>
-          <a:noFill/>
-        </p:spPr>
-        <p:txBody>
-          <a:bodyPr wrap="none">
-            <a:spAutoFit/>
-          </a:bodyPr>
-          <a:lstStyle/>
-          <a:p/>
-          <a:p>
-            <a:pPr>
-              <a:defRPr sz="2500"/>
-            </a:pPr>
-            <a:br/>
-          </a:p>
-        </p:txBody>
-      </p:sp>
-      <p:sp>
-        <p:nvSpPr>
-          <p:cNvPr id="3" name="TextBox 2"/>
-          <p:cNvSpPr txBox="1"/>
-          <p:nvPr/>
-        </p:nvSpPr>
-        <p:spPr>
-          <a:xfrm>
-            <a:off x="4572000" y="5943600"/>
-            <a:ext cx="914400" cy="914400"/>
-          </a:xfrm>
-          <a:prstGeom prst="rect">
-            <a:avLst/>
-          </a:prstGeom>
-          <a:noFill/>
-        </p:spPr>
-        <p:txBody>
-          <a:bodyPr wrap="none">
-            <a:spAutoFit/>
-          </a:bodyPr>
-          <a:lstStyle/>
-          <a:p/>
-          <a:p>
-            <a:pPr>
-              <a:defRPr sz="1200"/>
-            </a:pPr>
-            <a:r>
-              <a:t>Outro</a:t>
-            </a:r>
-            <a:br/>
-            <a:r>
-              <a:t>Writers:  Jonas Myrin, Matt Redman</a:t>
-            </a:r>
-            <a:br/>
-            <a:r>
-              <a:t>CCLI:  7000686</a:t>
-            </a:r>
-          </a:p>
-        </p:txBody>
-      </p:sp>
-    </p:spTree>
-  </p:cSld>
-  <p:clrMapOvr>
-    <a:masterClrMapping/>
-  </p:clrMapOvr>
-</p:sld>
-</file>
-
 <file path=ppt/slides/slide2.xml><?xml version="1.0" encoding="utf-8"?>
 <p:sld xmlns:a="http://schemas.openxmlformats.org/drawingml/2006/main" xmlns:p="http://schemas.openxmlformats.org/presentationml/2006/main" xmlns:r="http://schemas.openxmlformats.org/officeDocument/2006/relationships">
   <p:cSld>
@@ -4896,7 +4729,7 @@
               <a:defRPr sz="2500"/>
             </a:pPr>
             <a:r>
-              <a:t>From the creation to the cross   </a:t>
+              <a:t>From the creation to the cross</a:t>
             </a:r>
             <a:br/>
             <a:r>
@@ -5205,11 +5038,11 @@
               <a:defRPr sz="2500"/>
             </a:pPr>
             <a:r>
-              <a:t>  From the creation to the cross   </a:t>
-            </a:r>
-            <a:br/>
-            <a:r>
-              <a:t>  There from the cross into eternity</a:t>
+              <a:t>From the creation to the cross</a:t>
+            </a:r>
+            <a:br/>
+            <a:r>
+              <a:t>There from the cross into eternity</a:t>
             </a:r>
             <a:br/>
             <a:r>
@@ -5221,11 +5054,11 @@
             </a:r>
             <a:br/>
             <a:r>
-              <a:t>  There in the darkest night of the soul   </a:t>
-            </a:r>
-            <a:br/>
-            <a:r>
-              <a:t>  There in the sweetest songs of victory</a:t>
+              <a:t>There in the darkest night of the soul</a:t>
+            </a:r>
+            <a:br/>
+            <a:r>
+              <a:t>There in the sweetest songs of victory</a:t>
             </a:r>
             <a:br/>
             <a:r>
